--- a/events/2021-03-17/slides/00-index.pptx
+++ b/events/2021-03-17/slides/00-index.pptx
@@ -21665,7 +21665,7 @@
           <a:p>
             <a:r>
               <a:rPr kumimoji="1" lang="en-US" altLang="ja-JP"/>
-              <a:t>2021/3/17</a:t>
+              <a:t>2020/9/11</a:t>
             </a:r>
             <a:endParaRPr kumimoji="1" lang="ja-JP" altLang="en-US"/>
           </a:p>
@@ -21691,16 +21691,16 @@
           </a:lstStyle>
           <a:p>
             <a:r>
-              <a:rPr kumimoji="1" lang="en-US" altLang="ja-JP"/>
-              <a:t>2021S</a:t>
+              <a:rPr kumimoji="1" lang="en-US" altLang="ja-JP" dirty="0"/>
+              <a:t>A</a:t>
             </a:r>
             <a:r>
-              <a:rPr kumimoji="1" lang="ja-JP" altLang="en-US"/>
-              <a:t>説明会 </a:t>
+              <a:rPr kumimoji="1" lang="ja-JP" altLang="en-US" dirty="0"/>
+              <a:t>セメスタ説明会 </a:t>
             </a:r>
             <a:r>
-              <a:rPr kumimoji="1" lang="en-US" altLang="ja-JP"/>
-              <a:t>utelecon.adm.u-tokyo.ac.jp</a:t>
+              <a:rPr kumimoji="1" lang="en-US" altLang="ja-JP" dirty="0"/>
+              <a:t>utelecon.github.io</a:t>
             </a:r>
             <a:endParaRPr kumimoji="1" lang="ja-JP" altLang="en-US" dirty="0"/>
           </a:p>
@@ -21879,7 +21879,7 @@
           <a:p>
             <a:r>
               <a:rPr kumimoji="1" lang="en-US" altLang="ja-JP"/>
-              <a:t>2021/3/17</a:t>
+              <a:t>2020/9/11</a:t>
             </a:r>
             <a:endParaRPr kumimoji="1" lang="ja-JP" altLang="en-US"/>
           </a:p>
@@ -21902,15 +21902,15 @@
           <a:p>
             <a:r>
               <a:rPr kumimoji="1" lang="en-US" altLang="ja-JP"/>
-              <a:t>2021S</a:t>
+              <a:t>A</a:t>
             </a:r>
             <a:r>
               <a:rPr kumimoji="1" lang="ja-JP" altLang="en-US"/>
-              <a:t>説明会 </a:t>
+              <a:t>セメスタ説明会 </a:t>
             </a:r>
             <a:r>
               <a:rPr kumimoji="1" lang="en-US" altLang="ja-JP"/>
-              <a:t>utelecon.adm.u-tokyo.ac.jp</a:t>
+              <a:t>utelecon.github.io</a:t>
             </a:r>
             <a:endParaRPr kumimoji="1" lang="ja-JP" altLang="en-US"/>
           </a:p>
@@ -22099,7 +22099,7 @@
           <a:p>
             <a:r>
               <a:rPr kumimoji="1" lang="en-US" altLang="ja-JP"/>
-              <a:t>2021/3/17</a:t>
+              <a:t>2020/9/11</a:t>
             </a:r>
             <a:endParaRPr kumimoji="1" lang="ja-JP" altLang="en-US"/>
           </a:p>
@@ -22122,15 +22122,15 @@
           <a:p>
             <a:r>
               <a:rPr kumimoji="1" lang="en-US" altLang="ja-JP"/>
-              <a:t>2021S</a:t>
+              <a:t>A</a:t>
             </a:r>
             <a:r>
               <a:rPr kumimoji="1" lang="ja-JP" altLang="en-US"/>
-              <a:t>説明会 </a:t>
+              <a:t>セメスタ説明会 </a:t>
             </a:r>
             <a:r>
               <a:rPr kumimoji="1" lang="en-US" altLang="ja-JP"/>
-              <a:t>utelecon.adm.u-tokyo.ac.jp</a:t>
+              <a:t>utelecon.github.io</a:t>
             </a:r>
             <a:endParaRPr kumimoji="1" lang="ja-JP" altLang="en-US"/>
           </a:p>
@@ -22309,7 +22309,7 @@
           <a:p>
             <a:r>
               <a:rPr kumimoji="1" lang="en-US" altLang="ja-JP"/>
-              <a:t>2021/3/17</a:t>
+              <a:t>2020/9/11</a:t>
             </a:r>
             <a:endParaRPr kumimoji="1" lang="ja-JP" altLang="en-US"/>
           </a:p>
@@ -22332,15 +22332,15 @@
           <a:p>
             <a:r>
               <a:rPr kumimoji="1" lang="en-US" altLang="ja-JP"/>
-              <a:t>2021S</a:t>
+              <a:t>A</a:t>
             </a:r>
             <a:r>
               <a:rPr kumimoji="1" lang="ja-JP" altLang="en-US"/>
-              <a:t>説明会 </a:t>
+              <a:t>セメスタ説明会 </a:t>
             </a:r>
             <a:r>
               <a:rPr kumimoji="1" lang="en-US" altLang="ja-JP"/>
-              <a:t>utelecon.adm.u-tokyo.ac.jp</a:t>
+              <a:t>utelecon.github.io</a:t>
             </a:r>
             <a:endParaRPr kumimoji="1" lang="ja-JP" altLang="en-US"/>
           </a:p>
@@ -42993,7 +42993,7 @@
           <a:p>
             <a:r>
               <a:rPr kumimoji="1" lang="en-US" altLang="ja-JP"/>
-              <a:t>2021/3/17</a:t>
+              <a:t>2020/9/11</a:t>
             </a:r>
             <a:endParaRPr kumimoji="1" lang="ja-JP" altLang="en-US"/>
           </a:p>
@@ -43016,15 +43016,15 @@
           <a:p>
             <a:r>
               <a:rPr kumimoji="1" lang="en-US" altLang="ja-JP"/>
-              <a:t>2021S</a:t>
+              <a:t>A</a:t>
             </a:r>
             <a:r>
               <a:rPr kumimoji="1" lang="ja-JP" altLang="en-US"/>
-              <a:t>説明会 </a:t>
+              <a:t>セメスタ説明会 </a:t>
             </a:r>
             <a:r>
               <a:rPr kumimoji="1" lang="en-US" altLang="ja-JP"/>
-              <a:t>utelecon.adm.u-tokyo.ac.jp</a:t>
+              <a:t>utelecon.github.io</a:t>
             </a:r>
             <a:endParaRPr kumimoji="1" lang="ja-JP" altLang="en-US"/>
           </a:p>
@@ -43935,7 +43935,7 @@
           <a:p>
             <a:r>
               <a:rPr kumimoji="1" lang="en-US" altLang="ja-JP"/>
-              <a:t>2021/3/17</a:t>
+              <a:t>2020/9/11</a:t>
             </a:r>
             <a:endParaRPr kumimoji="1" lang="ja-JP" altLang="en-US"/>
           </a:p>
@@ -43958,15 +43958,15 @@
           <a:p>
             <a:r>
               <a:rPr kumimoji="1" lang="en-US" altLang="ja-JP"/>
-              <a:t>2021S</a:t>
+              <a:t>A</a:t>
             </a:r>
             <a:r>
               <a:rPr kumimoji="1" lang="ja-JP" altLang="en-US"/>
-              <a:t>説明会 </a:t>
+              <a:t>セメスタ説明会 </a:t>
             </a:r>
             <a:r>
               <a:rPr kumimoji="1" lang="en-US" altLang="ja-JP"/>
-              <a:t>utelecon.adm.u-tokyo.ac.jp</a:t>
+              <a:t>utelecon.github.io</a:t>
             </a:r>
             <a:endParaRPr kumimoji="1" lang="ja-JP" altLang="en-US"/>
           </a:p>
@@ -44429,7 +44429,7 @@
           <a:p>
             <a:r>
               <a:rPr kumimoji="1" lang="en-US" altLang="ja-JP"/>
-              <a:t>2021/3/17</a:t>
+              <a:t>2020/9/11</a:t>
             </a:r>
             <a:endParaRPr kumimoji="1" lang="ja-JP" altLang="en-US"/>
           </a:p>
@@ -44452,15 +44452,15 @@
           <a:p>
             <a:r>
               <a:rPr kumimoji="1" lang="en-US" altLang="ja-JP"/>
-              <a:t>2021S</a:t>
+              <a:t>A</a:t>
             </a:r>
             <a:r>
               <a:rPr kumimoji="1" lang="ja-JP" altLang="en-US"/>
-              <a:t>説明会 </a:t>
+              <a:t>セメスタ説明会 </a:t>
             </a:r>
             <a:r>
               <a:rPr kumimoji="1" lang="en-US" altLang="ja-JP"/>
-              <a:t>utelecon.adm.u-tokyo.ac.jp</a:t>
+              <a:t>utelecon.github.io</a:t>
             </a:r>
             <a:endParaRPr kumimoji="1" lang="ja-JP" altLang="en-US"/>
           </a:p>
@@ -44564,7 +44564,7 @@
           <a:p>
             <a:r>
               <a:rPr kumimoji="1" lang="en-US" altLang="ja-JP"/>
-              <a:t>2021/3/17</a:t>
+              <a:t>2020/9/11</a:t>
             </a:r>
             <a:endParaRPr kumimoji="1" lang="ja-JP" altLang="en-US"/>
           </a:p>
@@ -44587,15 +44587,15 @@
           <a:p>
             <a:r>
               <a:rPr kumimoji="1" lang="en-US" altLang="ja-JP"/>
-              <a:t>2021S</a:t>
+              <a:t>A</a:t>
             </a:r>
             <a:r>
               <a:rPr kumimoji="1" lang="ja-JP" altLang="en-US"/>
-              <a:t>説明会 </a:t>
+              <a:t>セメスタ説明会 </a:t>
             </a:r>
             <a:r>
               <a:rPr kumimoji="1" lang="en-US" altLang="ja-JP"/>
-              <a:t>utelecon.adm.u-tokyo.ac.jp</a:t>
+              <a:t>utelecon.github.io</a:t>
             </a:r>
             <a:endParaRPr kumimoji="1" lang="ja-JP" altLang="en-US"/>
           </a:p>
@@ -44667,7 +44667,7 @@
           <a:p>
             <a:r>
               <a:rPr kumimoji="1" lang="en-US" altLang="ja-JP"/>
-              <a:t>2021/3/17</a:t>
+              <a:t>2020/9/11</a:t>
             </a:r>
             <a:endParaRPr kumimoji="1" lang="ja-JP" altLang="en-US"/>
           </a:p>
@@ -44690,15 +44690,15 @@
           <a:p>
             <a:r>
               <a:rPr kumimoji="1" lang="en-US" altLang="ja-JP"/>
-              <a:t>2021S</a:t>
+              <a:t>A</a:t>
             </a:r>
             <a:r>
               <a:rPr kumimoji="1" lang="ja-JP" altLang="en-US"/>
-              <a:t>説明会 </a:t>
+              <a:t>セメスタ説明会 </a:t>
             </a:r>
             <a:r>
               <a:rPr kumimoji="1" lang="en-US" altLang="ja-JP"/>
-              <a:t>utelecon.adm.u-tokyo.ac.jp</a:t>
+              <a:t>utelecon.github.io</a:t>
             </a:r>
             <a:endParaRPr kumimoji="1" lang="ja-JP" altLang="en-US"/>
           </a:p>
@@ -45045,7 +45045,7 @@
           <a:p>
             <a:r>
               <a:rPr kumimoji="1" lang="en-US" altLang="ja-JP"/>
-              <a:t>2021/3/17</a:t>
+              <a:t>2020/9/11</a:t>
             </a:r>
             <a:endParaRPr kumimoji="1" lang="ja-JP" altLang="en-US"/>
           </a:p>
@@ -45068,15 +45068,15 @@
           <a:p>
             <a:r>
               <a:rPr kumimoji="1" lang="en-US" altLang="ja-JP"/>
-              <a:t>2021S</a:t>
+              <a:t>A</a:t>
             </a:r>
             <a:r>
               <a:rPr kumimoji="1" lang="ja-JP" altLang="en-US"/>
-              <a:t>説明会 </a:t>
+              <a:t>セメスタ説明会 </a:t>
             </a:r>
             <a:r>
               <a:rPr kumimoji="1" lang="en-US" altLang="ja-JP"/>
-              <a:t>utelecon.adm.u-tokyo.ac.jp</a:t>
+              <a:t>utelecon.github.io</a:t>
             </a:r>
             <a:endParaRPr kumimoji="1" lang="ja-JP" altLang="en-US"/>
           </a:p>
@@ -45396,7 +45396,7 @@
           <a:p>
             <a:r>
               <a:rPr kumimoji="1" lang="en-US" altLang="ja-JP"/>
-              <a:t>2021/3/17</a:t>
+              <a:t>2020/9/11</a:t>
             </a:r>
             <a:endParaRPr kumimoji="1" lang="ja-JP" altLang="en-US"/>
           </a:p>
@@ -45419,15 +45419,15 @@
           <a:p>
             <a:r>
               <a:rPr kumimoji="1" lang="en-US" altLang="ja-JP"/>
-              <a:t>2021S</a:t>
+              <a:t>A</a:t>
             </a:r>
             <a:r>
               <a:rPr kumimoji="1" lang="ja-JP" altLang="en-US"/>
-              <a:t>説明会 </a:t>
+              <a:t>セメスタ説明会 </a:t>
             </a:r>
             <a:r>
               <a:rPr kumimoji="1" lang="en-US" altLang="ja-JP"/>
-              <a:t>utelecon.adm.u-tokyo.ac.jp</a:t>
+              <a:t>utelecon.github.io</a:t>
             </a:r>
             <a:endParaRPr kumimoji="1" lang="ja-JP" altLang="en-US"/>
           </a:p>
@@ -51901,7 +51901,7 @@
           <a:p>
             <a:r>
               <a:rPr kumimoji="1" lang="en-US" altLang="ja-JP"/>
-              <a:t>2021/3/17</a:t>
+              <a:t>2020/9/11</a:t>
             </a:r>
             <a:endParaRPr kumimoji="1" lang="ja-JP" altLang="en-US"/>
           </a:p>
@@ -51939,16 +51939,16 @@
           </a:lstStyle>
           <a:p>
             <a:r>
-              <a:rPr kumimoji="1" lang="en-US" altLang="ja-JP"/>
-              <a:t>2021S</a:t>
+              <a:rPr kumimoji="1" lang="en-US" altLang="ja-JP" dirty="0"/>
+              <a:t>A</a:t>
             </a:r>
             <a:r>
-              <a:rPr kumimoji="1" lang="ja-JP" altLang="en-US"/>
-              <a:t>説明会 </a:t>
+              <a:rPr kumimoji="1" lang="ja-JP" altLang="en-US" dirty="0"/>
+              <a:t>セメスタ説明会 </a:t>
             </a:r>
             <a:r>
-              <a:rPr kumimoji="1" lang="en-US" altLang="ja-JP"/>
-              <a:t>utelecon.adm.u-tokyo.ac.jp</a:t>
+              <a:rPr kumimoji="1" lang="en-US" altLang="ja-JP" dirty="0"/>
+              <a:t>utelecon.github.io</a:t>
             </a:r>
             <a:endParaRPr kumimoji="1" lang="ja-JP" altLang="en-US" dirty="0"/>
           </a:p>
@@ -52487,7 +52487,7 @@
           <a:p>
             <a:r>
               <a:rPr kumimoji="1" lang="en-US" altLang="ja-JP"/>
-              <a:t>2021/3/17</a:t>
+              <a:t>2020/9/11</a:t>
             </a:r>
             <a:endParaRPr kumimoji="1" lang="ja-JP" altLang="en-US"/>
           </a:p>
@@ -52516,15 +52516,15 @@
           <a:p>
             <a:r>
               <a:rPr kumimoji="1" lang="en-US" altLang="ja-JP"/>
-              <a:t>2021S</a:t>
+              <a:t>A</a:t>
             </a:r>
             <a:r>
               <a:rPr kumimoji="1" lang="ja-JP" altLang="en-US"/>
-              <a:t>説明会 </a:t>
+              <a:t>セメスタ説明会 </a:t>
             </a:r>
             <a:r>
               <a:rPr kumimoji="1" lang="en-US" altLang="ja-JP"/>
-              <a:t>utelecon.adm.u-tokyo.ac.jp</a:t>
+              <a:t>utelecon.github.io</a:t>
             </a:r>
             <a:endParaRPr kumimoji="1" lang="ja-JP" altLang="en-US" dirty="0"/>
           </a:p>
@@ -52754,7 +52754,7 @@
           <a:p>
             <a:r>
               <a:rPr kumimoji="1" lang="en-US" altLang="ja-JP"/>
-              <a:t>2021/3/17</a:t>
+              <a:t>2020/9/11</a:t>
             </a:r>
             <a:endParaRPr kumimoji="1" lang="ja-JP" altLang="en-US"/>
           </a:p>
@@ -52783,15 +52783,15 @@
           <a:p>
             <a:r>
               <a:rPr kumimoji="1" lang="en-US" altLang="ja-JP"/>
-              <a:t>2021S</a:t>
+              <a:t>A</a:t>
             </a:r>
             <a:r>
               <a:rPr kumimoji="1" lang="ja-JP" altLang="en-US"/>
-              <a:t>説明会 </a:t>
+              <a:t>セメスタ説明会 </a:t>
             </a:r>
             <a:r>
               <a:rPr kumimoji="1" lang="en-US" altLang="ja-JP"/>
-              <a:t>utelecon.adm.u-tokyo.ac.jp</a:t>
+              <a:t>utelecon.github.io</a:t>
             </a:r>
             <a:endParaRPr kumimoji="1" lang="ja-JP" altLang="en-US"/>
           </a:p>
@@ -52909,7 +52909,7 @@
         <p:spPr/>
         <p:txBody>
           <a:bodyPr>
-            <a:normAutofit/>
+            <a:normAutofit fontScale="70000" lnSpcReduction="20000"/>
           </a:bodyPr>
           <a:lstStyle/>
           <a:p>
@@ -52942,46 +52942,136 @@
             <a:pPr lvl="1"/>
             <a:r>
               <a:rPr lang="ja-JP" altLang="en-US" dirty="0"/>
-              <a:t>学生 中條麟太郎さん、竹内朗さん、德永紗英さん、</a:t>
+              <a:t>中條 麟太郎さん 教養学部前期課程</a:t>
             </a:r>
             <a:r>
-              <a:rPr lang="en-US" altLang="ja-JP" dirty="0">
-                <a:solidFill>
-                  <a:srgbClr val="FF0000"/>
-                </a:solidFill>
-              </a:rPr>
-              <a:t>…. (&lt;- </a:t>
+              <a:rPr lang="en-US" altLang="ja-JP" dirty="0"/>
+              <a:t>2</a:t>
             </a:r>
             <a:r>
-              <a:rPr lang="ja-JP" altLang="en-US" dirty="0">
-                <a:solidFill>
-                  <a:srgbClr val="FF0000"/>
-                </a:solidFill>
-              </a:rPr>
-              <a:t>追加</a:t>
-            </a:r>
-            <a:r>
-              <a:rPr lang="en-US" altLang="ja-JP" dirty="0">
-                <a:solidFill>
-                  <a:srgbClr val="FF0000"/>
-                </a:solidFill>
-              </a:rPr>
-              <a:t>)</a:t>
+              <a:rPr lang="ja-JP" altLang="en-US" dirty="0"/>
+              <a:t>年・大学院情報学環教育部研究生</a:t>
             </a:r>
           </a:p>
           <a:p>
             <a:pPr lvl="1"/>
             <a:r>
-              <a:rPr kumimoji="1" lang="ja-JP" altLang="en-US" dirty="0"/>
-              <a:t>大総センター 吉田塁先生、情報システム本部 玉造潤二先生</a:t>
+              <a:rPr lang="ja-JP" altLang="en-US" dirty="0"/>
+              <a:t>竹内 朗さん 工学部</a:t>
+            </a:r>
+            <a:r>
+              <a:rPr lang="en-US" altLang="ja-JP" dirty="0"/>
+              <a:t>3</a:t>
             </a:r>
             <a:r>
               <a:rPr lang="ja-JP" altLang="en-US" dirty="0"/>
-              <a:t>の尽力 </a:t>
+              <a:t>年</a:t>
+            </a:r>
+          </a:p>
+          <a:p>
+            <a:pPr lvl="1"/>
+            <a:r>
+              <a:rPr lang="ja-JP" altLang="en-US" dirty="0"/>
+              <a:t>德永 紗英さん 教養学部前期課程</a:t>
             </a:r>
             <a:r>
               <a:rPr lang="en-US" altLang="ja-JP" dirty="0"/>
-              <a:t>+ supervise</a:t>
+              <a:t>2</a:t>
+            </a:r>
+            <a:r>
+              <a:rPr lang="ja-JP" altLang="en-US" dirty="0"/>
+              <a:t>年</a:t>
+            </a:r>
+          </a:p>
+          <a:p>
+            <a:pPr lvl="1"/>
+            <a:r>
+              <a:rPr lang="ja-JP" altLang="en-US" dirty="0"/>
+              <a:t>金子 亮大さん 総合文化研究科修士</a:t>
+            </a:r>
+            <a:r>
+              <a:rPr lang="en-US" altLang="ja-JP" dirty="0"/>
+              <a:t>1</a:t>
+            </a:r>
+            <a:r>
+              <a:rPr lang="ja-JP" altLang="en-US" dirty="0"/>
+              <a:t>年</a:t>
+            </a:r>
+          </a:p>
+          <a:p>
+            <a:pPr lvl="1"/>
+            <a:r>
+              <a:rPr lang="ja-JP" altLang="en-US" dirty="0"/>
+              <a:t>小松 寛弥さん 法学部</a:t>
+            </a:r>
+            <a:r>
+              <a:rPr lang="en-US" altLang="ja-JP" dirty="0"/>
+              <a:t>4</a:t>
+            </a:r>
+            <a:r>
+              <a:rPr lang="ja-JP" altLang="en-US" dirty="0"/>
+              <a:t>年・大学院情報学環教育部研究生</a:t>
+            </a:r>
+          </a:p>
+          <a:p>
+            <a:pPr lvl="1"/>
+            <a:r>
+              <a:rPr lang="ja-JP" altLang="en-US" dirty="0"/>
+              <a:t>廣田 大騎さん 教養学部前期課程</a:t>
+            </a:r>
+            <a:r>
+              <a:rPr lang="en-US" altLang="ja-JP" dirty="0"/>
+              <a:t>1</a:t>
+            </a:r>
+            <a:r>
+              <a:rPr lang="ja-JP" altLang="en-US" dirty="0"/>
+              <a:t>年</a:t>
+            </a:r>
+          </a:p>
+          <a:p>
+            <a:pPr lvl="1"/>
+            <a:r>
+              <a:rPr lang="ja-JP" altLang="en-US" dirty="0"/>
+              <a:t>山田 和佳さん 工学系研究科修士</a:t>
+            </a:r>
+            <a:r>
+              <a:rPr lang="en-US" altLang="ja-JP" dirty="0"/>
+              <a:t>1</a:t>
+            </a:r>
+            <a:r>
+              <a:rPr lang="ja-JP" altLang="en-US" dirty="0"/>
+              <a:t>年</a:t>
+            </a:r>
+          </a:p>
+          <a:p>
+            <a:pPr lvl="1"/>
+            <a:r>
+              <a:rPr lang="ja-JP" altLang="en-US" dirty="0"/>
+              <a:t>和田 熙仁さん 教養学部前期課程</a:t>
+            </a:r>
+            <a:r>
+              <a:rPr lang="en-US" altLang="ja-JP" dirty="0"/>
+              <a:t>2</a:t>
+            </a:r>
+            <a:r>
+              <a:rPr lang="ja-JP" altLang="en-US" dirty="0"/>
+              <a:t>年</a:t>
+            </a:r>
+            <a:endParaRPr lang="en-US" altLang="ja-JP" dirty="0"/>
+          </a:p>
+          <a:p>
+            <a:pPr lvl="1"/>
+            <a:r>
+              <a:rPr kumimoji="1" lang="ja-JP" altLang="en-US" dirty="0"/>
+              <a:t>吉田塁先生 工学系研究科・大総センター</a:t>
+            </a:r>
+            <a:endParaRPr kumimoji="1" lang="en-US" altLang="ja-JP" dirty="0"/>
+          </a:p>
+          <a:p>
+            <a:pPr lvl="1"/>
+            <a:r>
+              <a:rPr kumimoji="1" lang="ja-JP" altLang="en-US" dirty="0"/>
+              <a:t>玉造潤二先生 情報システム本部</a:t>
             </a:r>
             <a:endParaRPr kumimoji="1" lang="en-US" altLang="ja-JP" dirty="0"/>
           </a:p>
@@ -53010,7 +53100,7 @@
           <a:p>
             <a:r>
               <a:rPr kumimoji="1" lang="en-US" altLang="ja-JP"/>
-              <a:t>2021/3/17</a:t>
+              <a:t>2020/9/11</a:t>
             </a:r>
             <a:endParaRPr kumimoji="1" lang="ja-JP" altLang="en-US"/>
           </a:p>
@@ -53039,15 +53129,15 @@
           <a:p>
             <a:r>
               <a:rPr kumimoji="1" lang="en-US" altLang="ja-JP"/>
-              <a:t>2021S</a:t>
+              <a:t>A</a:t>
             </a:r>
             <a:r>
               <a:rPr kumimoji="1" lang="ja-JP" altLang="en-US"/>
-              <a:t>説明会 </a:t>
+              <a:t>セメスタ説明会 </a:t>
             </a:r>
             <a:r>
               <a:rPr kumimoji="1" lang="en-US" altLang="ja-JP"/>
-              <a:t>utelecon.adm.u-tokyo.ac.jp</a:t>
+              <a:t>utelecon.github.io</a:t>
             </a:r>
             <a:endParaRPr kumimoji="1" lang="ja-JP" altLang="en-US"/>
           </a:p>
@@ -53164,12 +53254,14 @@
         </p:nvSpPr>
         <p:spPr/>
         <p:txBody>
-          <a:bodyPr/>
+          <a:bodyPr>
+            <a:normAutofit fontScale="92500" lnSpcReduction="10000"/>
+          </a:bodyPr>
           <a:lstStyle/>
           <a:p>
             <a:r>
               <a:rPr lang="ja-JP" altLang="en-US" dirty="0"/>
-              <a:t>「どこでもキャンパス」プロジェクトメンバー</a:t>
+              <a:t>どこでもキャンパスプロジェクトメンバー</a:t>
             </a:r>
             <a:endParaRPr lang="en-US" altLang="ja-JP" dirty="0"/>
           </a:p>
@@ -53177,7 +53269,23 @@
             <a:pPr lvl="1"/>
             <a:r>
               <a:rPr kumimoji="1" lang="ja-JP" altLang="en-US" dirty="0"/>
-              <a:t>情報基盤センター、情報システム部、情報システム本部</a:t>
+              <a:t>情報基盤センター、情報システム部</a:t>
+            </a:r>
+            <a:r>
+              <a:rPr lang="ja-JP" altLang="en-US" dirty="0"/>
+              <a:t>、</a:t>
+            </a:r>
+            <a:r>
+              <a:rPr kumimoji="1" lang="ja-JP" altLang="en-US" dirty="0"/>
+              <a:t>情報システム本部</a:t>
+            </a:r>
+            <a:endParaRPr kumimoji="1" lang="en-US" altLang="ja-JP" dirty="0"/>
+          </a:p>
+          <a:p>
+            <a:pPr lvl="1"/>
+            <a:r>
+              <a:rPr lang="ja-JP" altLang="en-US" dirty="0"/>
+              <a:t>大総センター</a:t>
             </a:r>
             <a:endParaRPr lang="en-US" altLang="ja-JP" dirty="0"/>
           </a:p>
@@ -53192,13 +53300,42 @@
           <a:p>
             <a:pPr lvl="1"/>
             <a:r>
-              <a:rPr kumimoji="1" lang="en-US" altLang="ja-JP" dirty="0">
-                <a:solidFill>
-                  <a:srgbClr val="FF0000"/>
-                </a:solidFill>
-              </a:rPr>
+              <a:rPr kumimoji="1" lang="ja-JP" altLang="en-US" dirty="0"/>
+              <a:t>工学系</a:t>
+            </a:r>
+            <a:endParaRPr kumimoji="1" lang="en-US" altLang="ja-JP" dirty="0"/>
+          </a:p>
+          <a:p>
+            <a:pPr lvl="1"/>
+            <a:r>
+              <a:rPr kumimoji="1" lang="ja-JP" altLang="en-US" dirty="0"/>
+              <a:t>情報理工</a:t>
+            </a:r>
+            <a:endParaRPr kumimoji="1" lang="en-US" altLang="ja-JP" dirty="0"/>
+          </a:p>
+          <a:p>
+            <a:pPr lvl="1"/>
+            <a:r>
+              <a:rPr lang="ja-JP" altLang="en-US" dirty="0"/>
+              <a:t>バリアフリー室</a:t>
+            </a:r>
+            <a:endParaRPr lang="en-US" altLang="ja-JP" dirty="0"/>
+          </a:p>
+          <a:p>
+            <a:pPr lvl="1"/>
+            <a:r>
+              <a:rPr kumimoji="1" lang="ja-JP" altLang="en-US" dirty="0"/>
+              <a:t>相田仁副学長</a:t>
+            </a:r>
+            <a:endParaRPr kumimoji="1" lang="en-US" altLang="ja-JP" dirty="0"/>
+          </a:p>
+          <a:p>
+            <a:pPr lvl="1"/>
+            <a:r>
+              <a:rPr lang="en-US" altLang="ja-JP" dirty="0"/>
               <a:t>…</a:t>
             </a:r>
+            <a:endParaRPr kumimoji="1" lang="en-US" altLang="ja-JP" dirty="0"/>
           </a:p>
         </p:txBody>
       </p:sp>
@@ -53225,7 +53362,7 @@
           <a:p>
             <a:r>
               <a:rPr kumimoji="1" lang="en-US" altLang="ja-JP"/>
-              <a:t>2021/3/17</a:t>
+              <a:t>2020/9/11</a:t>
             </a:r>
             <a:endParaRPr kumimoji="1" lang="ja-JP" altLang="en-US"/>
           </a:p>
@@ -53254,15 +53391,15 @@
           <a:p>
             <a:r>
               <a:rPr kumimoji="1" lang="en-US" altLang="ja-JP"/>
-              <a:t>2021S</a:t>
+              <a:t>A</a:t>
             </a:r>
             <a:r>
               <a:rPr kumimoji="1" lang="ja-JP" altLang="en-US"/>
-              <a:t>説明会 </a:t>
+              <a:t>セメスタ説明会 </a:t>
             </a:r>
             <a:r>
               <a:rPr kumimoji="1" lang="en-US" altLang="ja-JP"/>
-              <a:t>utelecon.adm.u-tokyo.ac.jp</a:t>
+              <a:t>utelecon.github.io</a:t>
             </a:r>
             <a:endParaRPr kumimoji="1" lang="ja-JP" altLang="en-US"/>
           </a:p>
@@ -53589,11 +53726,11 @@
               <a:t>角野</a:t>
             </a:r>
             <a:r>
-              <a:rPr kumimoji="1" lang="en-US" altLang="ja-JP" sz="2000" dirty="0"/>
+              <a:rPr kumimoji="1" lang="en-US" altLang="ja-JP" sz="2000"/>
               <a:t>; 15</a:t>
             </a:r>
             <a:r>
-              <a:rPr kumimoji="1" lang="ja-JP" altLang="en-US" sz="2000" dirty="0"/>
+              <a:rPr kumimoji="1" lang="ja-JP" altLang="en-US" sz="2000"/>
               <a:t>分</a:t>
             </a:r>
             <a:r>
@@ -53621,7 +53758,7 @@
           <a:p>
             <a:r>
               <a:rPr kumimoji="1" lang="en-US" altLang="ja-JP"/>
-              <a:t>2021/3/17</a:t>
+              <a:t>2020/9/11</a:t>
             </a:r>
             <a:endParaRPr kumimoji="1" lang="ja-JP" altLang="en-US"/>
           </a:p>
@@ -53644,15 +53781,15 @@
           <a:p>
             <a:r>
               <a:rPr kumimoji="1" lang="en-US" altLang="ja-JP"/>
-              <a:t>2021S</a:t>
+              <a:t>A</a:t>
             </a:r>
             <a:r>
               <a:rPr kumimoji="1" lang="ja-JP" altLang="en-US"/>
-              <a:t>説明会 </a:t>
+              <a:t>セメスタ説明会 </a:t>
             </a:r>
             <a:r>
               <a:rPr kumimoji="1" lang="en-US" altLang="ja-JP"/>
-              <a:t>utelecon.adm.u-tokyo.ac.jp</a:t>
+              <a:t>utelecon.github.io</a:t>
             </a:r>
             <a:endParaRPr kumimoji="1" lang="ja-JP" altLang="en-US"/>
           </a:p>

--- a/events/2021-03-17/slides/00-index.pptx
+++ b/events/2021-03-17/slides/00-index.pptx
@@ -227,7 +227,7 @@
             <a:fld id="{35305EB0-020F-4995-961E-A35B2BB78D2B}" type="datetimeFigureOut">
               <a:rPr kumimoji="1" lang="ja-JP" altLang="en-US" smtClean="0"/>
               <a:pPr/>
-              <a:t>2021/3/12</a:t>
+              <a:t>2021/3/17</a:t>
             </a:fld>
             <a:endParaRPr kumimoji="1" lang="ja-JP" altLang="en-US"/>
           </a:p>
@@ -53625,11 +53625,11 @@
               <a:t>柴山</a:t>
             </a:r>
             <a:r>
-              <a:rPr kumimoji="1" lang="en-US" altLang="ja-JP" sz="2000" dirty="0"/>
-              <a:t>; 25</a:t>
+              <a:rPr kumimoji="1" lang="en-US" altLang="ja-JP" sz="2000"/>
+              <a:t>; 20</a:t>
             </a:r>
             <a:r>
-              <a:rPr kumimoji="1" lang="ja-JP" altLang="en-US" sz="2000" dirty="0"/>
+              <a:rPr kumimoji="1" lang="ja-JP" altLang="en-US" sz="2000"/>
               <a:t>分</a:t>
             </a:r>
             <a:r>
@@ -53726,11 +53726,11 @@
               <a:t>角野</a:t>
             </a:r>
             <a:r>
-              <a:rPr kumimoji="1" lang="en-US" altLang="ja-JP" sz="2000"/>
+              <a:rPr kumimoji="1" lang="en-US" altLang="ja-JP" sz="2000" dirty="0"/>
               <a:t>; 15</a:t>
             </a:r>
             <a:r>
-              <a:rPr kumimoji="1" lang="ja-JP" altLang="en-US" sz="2000"/>
+              <a:rPr kumimoji="1" lang="ja-JP" altLang="en-US" sz="2000" dirty="0"/>
               <a:t>分</a:t>
             </a:r>
             <a:r>

--- a/events/2021-03-17/slides/00-index.pptx
+++ b/events/2021-03-17/slides/00-index.pptx
@@ -53625,11 +53625,11 @@
               <a:t>柴山</a:t>
             </a:r>
             <a:r>
-              <a:rPr kumimoji="1" lang="en-US" altLang="ja-JP" sz="2000"/>
+              <a:rPr kumimoji="1" lang="en-US" altLang="ja-JP" sz="2000" dirty="0"/>
               <a:t>; 20</a:t>
             </a:r>
             <a:r>
-              <a:rPr kumimoji="1" lang="ja-JP" altLang="en-US" sz="2000"/>
+              <a:rPr kumimoji="1" lang="ja-JP" altLang="en-US" sz="2000" dirty="0"/>
               <a:t>分</a:t>
             </a:r>
             <a:r>
@@ -53644,8 +53644,12 @@
               <a:t>4. </a:t>
             </a:r>
             <a:r>
-              <a:rPr lang="ja-JP" altLang="en-US" dirty="0"/>
-              <a:t>オンライン授業ツール</a:t>
+              <a:rPr kumimoji="1" lang="ja-JP" altLang="en-US" spc="-200" dirty="0"/>
+              <a:t>よりよい</a:t>
+            </a:r>
+            <a:r>
+              <a:rPr lang="ja-JP" altLang="en-US" spc="-200" dirty="0"/>
+              <a:t>オンライン授業に向けて</a:t>
             </a:r>
             <a:r>
               <a:rPr kumimoji="1" lang="ja-JP" altLang="en-US" sz="2000" dirty="0"/>
@@ -53680,7 +53684,7 @@
             </a:r>
             <a:r>
               <a:rPr kumimoji="1" lang="ja-JP" altLang="en-US" dirty="0"/>
-              <a:t>学生サポータ制度</a:t>
+              <a:t>学生サポーター</a:t>
             </a:r>
             <a:r>
               <a:rPr kumimoji="1" lang="ja-JP" altLang="en-US" sz="2000" dirty="0"/>
@@ -53727,7 +53731,11 @@
             </a:r>
             <a:r>
               <a:rPr kumimoji="1" lang="en-US" altLang="ja-JP" sz="2000" dirty="0"/>
-              <a:t>; 15</a:t>
+              <a:t>; </a:t>
+            </a:r>
+            <a:r>
+              <a:rPr lang="en-US" altLang="ja-JP" sz="2000" dirty="0"/>
+              <a:t>20</a:t>
             </a:r>
             <a:r>
               <a:rPr kumimoji="1" lang="ja-JP" altLang="en-US" sz="2000" dirty="0"/>

--- a/events/2021-03-17/slides/00-index.pptx
+++ b/events/2021-03-17/slides/00-index.pptx
@@ -21665,7 +21665,7 @@
           <a:p>
             <a:r>
               <a:rPr kumimoji="1" lang="en-US" altLang="ja-JP"/>
-              <a:t>2020/9/11</a:t>
+              <a:t>2021/3/17</a:t>
             </a:r>
             <a:endParaRPr kumimoji="1" lang="ja-JP" altLang="en-US"/>
           </a:p>
@@ -21691,16 +21691,16 @@
           </a:lstStyle>
           <a:p>
             <a:r>
-              <a:rPr kumimoji="1" lang="en-US" altLang="ja-JP" dirty="0"/>
-              <a:t>A</a:t>
+              <a:rPr kumimoji="1" lang="en-US" altLang="ja-JP"/>
+              <a:t>2021S</a:t>
             </a:r>
             <a:r>
-              <a:rPr kumimoji="1" lang="ja-JP" altLang="en-US" dirty="0"/>
-              <a:t>セメスタ説明会 </a:t>
+              <a:rPr kumimoji="1" lang="ja-JP" altLang="en-US"/>
+              <a:t>セメスタ 説明会 </a:t>
             </a:r>
             <a:r>
-              <a:rPr kumimoji="1" lang="en-US" altLang="ja-JP" dirty="0"/>
-              <a:t>utelecon.github.io</a:t>
+              <a:rPr kumimoji="1" lang="en-US" altLang="ja-JP"/>
+              <a:t>https://utelecon.adm.u-tokyo.ac.jp/</a:t>
             </a:r>
             <a:endParaRPr kumimoji="1" lang="ja-JP" altLang="en-US" dirty="0"/>
           </a:p>
@@ -21879,7 +21879,7 @@
           <a:p>
             <a:r>
               <a:rPr kumimoji="1" lang="en-US" altLang="ja-JP"/>
-              <a:t>2020/9/11</a:t>
+              <a:t>2021/3/17</a:t>
             </a:r>
             <a:endParaRPr kumimoji="1" lang="ja-JP" altLang="en-US"/>
           </a:p>
@@ -21902,15 +21902,15 @@
           <a:p>
             <a:r>
               <a:rPr kumimoji="1" lang="en-US" altLang="ja-JP"/>
-              <a:t>A</a:t>
+              <a:t>2021S</a:t>
             </a:r>
             <a:r>
               <a:rPr kumimoji="1" lang="ja-JP" altLang="en-US"/>
-              <a:t>セメスタ説明会 </a:t>
+              <a:t>セメスタ 説明会 </a:t>
             </a:r>
             <a:r>
               <a:rPr kumimoji="1" lang="en-US" altLang="ja-JP"/>
-              <a:t>utelecon.github.io</a:t>
+              <a:t>https://utelecon.adm.u-tokyo.ac.jp/</a:t>
             </a:r>
             <a:endParaRPr kumimoji="1" lang="ja-JP" altLang="en-US"/>
           </a:p>
@@ -22099,7 +22099,7 @@
           <a:p>
             <a:r>
               <a:rPr kumimoji="1" lang="en-US" altLang="ja-JP"/>
-              <a:t>2020/9/11</a:t>
+              <a:t>2021/3/17</a:t>
             </a:r>
             <a:endParaRPr kumimoji="1" lang="ja-JP" altLang="en-US"/>
           </a:p>
@@ -22122,15 +22122,15 @@
           <a:p>
             <a:r>
               <a:rPr kumimoji="1" lang="en-US" altLang="ja-JP"/>
-              <a:t>A</a:t>
+              <a:t>2021S</a:t>
             </a:r>
             <a:r>
               <a:rPr kumimoji="1" lang="ja-JP" altLang="en-US"/>
-              <a:t>セメスタ説明会 </a:t>
+              <a:t>セメスタ 説明会 </a:t>
             </a:r>
             <a:r>
               <a:rPr kumimoji="1" lang="en-US" altLang="ja-JP"/>
-              <a:t>utelecon.github.io</a:t>
+              <a:t>https://utelecon.adm.u-tokyo.ac.jp/</a:t>
             </a:r>
             <a:endParaRPr kumimoji="1" lang="ja-JP" altLang="en-US"/>
           </a:p>
@@ -22309,7 +22309,7 @@
           <a:p>
             <a:r>
               <a:rPr kumimoji="1" lang="en-US" altLang="ja-JP"/>
-              <a:t>2020/9/11</a:t>
+              <a:t>2021/3/17</a:t>
             </a:r>
             <a:endParaRPr kumimoji="1" lang="ja-JP" altLang="en-US"/>
           </a:p>
@@ -22332,15 +22332,15 @@
           <a:p>
             <a:r>
               <a:rPr kumimoji="1" lang="en-US" altLang="ja-JP"/>
-              <a:t>A</a:t>
+              <a:t>2021S</a:t>
             </a:r>
             <a:r>
               <a:rPr kumimoji="1" lang="ja-JP" altLang="en-US"/>
-              <a:t>セメスタ説明会 </a:t>
+              <a:t>セメスタ 説明会 </a:t>
             </a:r>
             <a:r>
               <a:rPr kumimoji="1" lang="en-US" altLang="ja-JP"/>
-              <a:t>utelecon.github.io</a:t>
+              <a:t>https://utelecon.adm.u-tokyo.ac.jp/</a:t>
             </a:r>
             <a:endParaRPr kumimoji="1" lang="ja-JP" altLang="en-US"/>
           </a:p>
@@ -42993,7 +42993,7 @@
           <a:p>
             <a:r>
               <a:rPr kumimoji="1" lang="en-US" altLang="ja-JP"/>
-              <a:t>2020/9/11</a:t>
+              <a:t>2021/3/17</a:t>
             </a:r>
             <a:endParaRPr kumimoji="1" lang="ja-JP" altLang="en-US"/>
           </a:p>
@@ -43016,15 +43016,15 @@
           <a:p>
             <a:r>
               <a:rPr kumimoji="1" lang="en-US" altLang="ja-JP"/>
-              <a:t>A</a:t>
+              <a:t>2021S</a:t>
             </a:r>
             <a:r>
               <a:rPr kumimoji="1" lang="ja-JP" altLang="en-US"/>
-              <a:t>セメスタ説明会 </a:t>
+              <a:t>セメスタ 説明会 </a:t>
             </a:r>
             <a:r>
               <a:rPr kumimoji="1" lang="en-US" altLang="ja-JP"/>
-              <a:t>utelecon.github.io</a:t>
+              <a:t>https://utelecon.adm.u-tokyo.ac.jp/</a:t>
             </a:r>
             <a:endParaRPr kumimoji="1" lang="ja-JP" altLang="en-US"/>
           </a:p>
@@ -43935,7 +43935,7 @@
           <a:p>
             <a:r>
               <a:rPr kumimoji="1" lang="en-US" altLang="ja-JP"/>
-              <a:t>2020/9/11</a:t>
+              <a:t>2021/3/17</a:t>
             </a:r>
             <a:endParaRPr kumimoji="1" lang="ja-JP" altLang="en-US"/>
           </a:p>
@@ -43958,15 +43958,15 @@
           <a:p>
             <a:r>
               <a:rPr kumimoji="1" lang="en-US" altLang="ja-JP"/>
-              <a:t>A</a:t>
+              <a:t>2021S</a:t>
             </a:r>
             <a:r>
               <a:rPr kumimoji="1" lang="ja-JP" altLang="en-US"/>
-              <a:t>セメスタ説明会 </a:t>
+              <a:t>セメスタ 説明会 </a:t>
             </a:r>
             <a:r>
               <a:rPr kumimoji="1" lang="en-US" altLang="ja-JP"/>
-              <a:t>utelecon.github.io</a:t>
+              <a:t>https://utelecon.adm.u-tokyo.ac.jp/</a:t>
             </a:r>
             <a:endParaRPr kumimoji="1" lang="ja-JP" altLang="en-US"/>
           </a:p>
@@ -44429,7 +44429,7 @@
           <a:p>
             <a:r>
               <a:rPr kumimoji="1" lang="en-US" altLang="ja-JP"/>
-              <a:t>2020/9/11</a:t>
+              <a:t>2021/3/17</a:t>
             </a:r>
             <a:endParaRPr kumimoji="1" lang="ja-JP" altLang="en-US"/>
           </a:p>
@@ -44452,15 +44452,15 @@
           <a:p>
             <a:r>
               <a:rPr kumimoji="1" lang="en-US" altLang="ja-JP"/>
-              <a:t>A</a:t>
+              <a:t>2021S</a:t>
             </a:r>
             <a:r>
               <a:rPr kumimoji="1" lang="ja-JP" altLang="en-US"/>
-              <a:t>セメスタ説明会 </a:t>
+              <a:t>セメスタ 説明会 </a:t>
             </a:r>
             <a:r>
               <a:rPr kumimoji="1" lang="en-US" altLang="ja-JP"/>
-              <a:t>utelecon.github.io</a:t>
+              <a:t>https://utelecon.adm.u-tokyo.ac.jp/</a:t>
             </a:r>
             <a:endParaRPr kumimoji="1" lang="ja-JP" altLang="en-US"/>
           </a:p>
@@ -44564,7 +44564,7 @@
           <a:p>
             <a:r>
               <a:rPr kumimoji="1" lang="en-US" altLang="ja-JP"/>
-              <a:t>2020/9/11</a:t>
+              <a:t>2021/3/17</a:t>
             </a:r>
             <a:endParaRPr kumimoji="1" lang="ja-JP" altLang="en-US"/>
           </a:p>
@@ -44587,15 +44587,15 @@
           <a:p>
             <a:r>
               <a:rPr kumimoji="1" lang="en-US" altLang="ja-JP"/>
-              <a:t>A</a:t>
+              <a:t>2021S</a:t>
             </a:r>
             <a:r>
               <a:rPr kumimoji="1" lang="ja-JP" altLang="en-US"/>
-              <a:t>セメスタ説明会 </a:t>
+              <a:t>セメスタ 説明会 </a:t>
             </a:r>
             <a:r>
               <a:rPr kumimoji="1" lang="en-US" altLang="ja-JP"/>
-              <a:t>utelecon.github.io</a:t>
+              <a:t>https://utelecon.adm.u-tokyo.ac.jp/</a:t>
             </a:r>
             <a:endParaRPr kumimoji="1" lang="ja-JP" altLang="en-US"/>
           </a:p>
@@ -44667,7 +44667,7 @@
           <a:p>
             <a:r>
               <a:rPr kumimoji="1" lang="en-US" altLang="ja-JP"/>
-              <a:t>2020/9/11</a:t>
+              <a:t>2021/3/17</a:t>
             </a:r>
             <a:endParaRPr kumimoji="1" lang="ja-JP" altLang="en-US"/>
           </a:p>
@@ -44690,15 +44690,15 @@
           <a:p>
             <a:r>
               <a:rPr kumimoji="1" lang="en-US" altLang="ja-JP"/>
-              <a:t>A</a:t>
+              <a:t>2021S</a:t>
             </a:r>
             <a:r>
               <a:rPr kumimoji="1" lang="ja-JP" altLang="en-US"/>
-              <a:t>セメスタ説明会 </a:t>
+              <a:t>セメスタ 説明会 </a:t>
             </a:r>
             <a:r>
               <a:rPr kumimoji="1" lang="en-US" altLang="ja-JP"/>
-              <a:t>utelecon.github.io</a:t>
+              <a:t>https://utelecon.adm.u-tokyo.ac.jp/</a:t>
             </a:r>
             <a:endParaRPr kumimoji="1" lang="ja-JP" altLang="en-US"/>
           </a:p>
@@ -45045,7 +45045,7 @@
           <a:p>
             <a:r>
               <a:rPr kumimoji="1" lang="en-US" altLang="ja-JP"/>
-              <a:t>2020/9/11</a:t>
+              <a:t>2021/3/17</a:t>
             </a:r>
             <a:endParaRPr kumimoji="1" lang="ja-JP" altLang="en-US"/>
           </a:p>
@@ -45068,15 +45068,15 @@
           <a:p>
             <a:r>
               <a:rPr kumimoji="1" lang="en-US" altLang="ja-JP"/>
-              <a:t>A</a:t>
+              <a:t>2021S</a:t>
             </a:r>
             <a:r>
               <a:rPr kumimoji="1" lang="ja-JP" altLang="en-US"/>
-              <a:t>セメスタ説明会 </a:t>
+              <a:t>セメスタ 説明会 </a:t>
             </a:r>
             <a:r>
               <a:rPr kumimoji="1" lang="en-US" altLang="ja-JP"/>
-              <a:t>utelecon.github.io</a:t>
+              <a:t>https://utelecon.adm.u-tokyo.ac.jp/</a:t>
             </a:r>
             <a:endParaRPr kumimoji="1" lang="ja-JP" altLang="en-US"/>
           </a:p>
@@ -45396,7 +45396,7 @@
           <a:p>
             <a:r>
               <a:rPr kumimoji="1" lang="en-US" altLang="ja-JP"/>
-              <a:t>2020/9/11</a:t>
+              <a:t>2021/3/17</a:t>
             </a:r>
             <a:endParaRPr kumimoji="1" lang="ja-JP" altLang="en-US"/>
           </a:p>
@@ -45419,15 +45419,15 @@
           <a:p>
             <a:r>
               <a:rPr kumimoji="1" lang="en-US" altLang="ja-JP"/>
-              <a:t>A</a:t>
+              <a:t>2021S</a:t>
             </a:r>
             <a:r>
               <a:rPr kumimoji="1" lang="ja-JP" altLang="en-US"/>
-              <a:t>セメスタ説明会 </a:t>
+              <a:t>セメスタ 説明会 </a:t>
             </a:r>
             <a:r>
               <a:rPr kumimoji="1" lang="en-US" altLang="ja-JP"/>
-              <a:t>utelecon.github.io</a:t>
+              <a:t>https://utelecon.adm.u-tokyo.ac.jp/</a:t>
             </a:r>
             <a:endParaRPr kumimoji="1" lang="ja-JP" altLang="en-US"/>
           </a:p>
@@ -51901,7 +51901,7 @@
           <a:p>
             <a:r>
               <a:rPr kumimoji="1" lang="en-US" altLang="ja-JP"/>
-              <a:t>2020/9/11</a:t>
+              <a:t>2021/3/17</a:t>
             </a:r>
             <a:endParaRPr kumimoji="1" lang="ja-JP" altLang="en-US"/>
           </a:p>
@@ -51919,8 +51919,8 @@
         </p:nvSpPr>
         <p:spPr>
           <a:xfrm>
-            <a:off x="3124200" y="6356350"/>
-            <a:ext cx="2895600" cy="365125"/>
+            <a:off x="2267744" y="6356350"/>
+            <a:ext cx="4680520" cy="365125"/>
           </a:xfrm>
           <a:prstGeom prst="rect">
             <a:avLst/>
@@ -51939,16 +51939,16 @@
           </a:lstStyle>
           <a:p>
             <a:r>
-              <a:rPr kumimoji="1" lang="en-US" altLang="ja-JP" dirty="0"/>
-              <a:t>A</a:t>
+              <a:rPr kumimoji="1" lang="en-US" altLang="ja-JP"/>
+              <a:t>2021S</a:t>
             </a:r>
             <a:r>
-              <a:rPr kumimoji="1" lang="ja-JP" altLang="en-US" dirty="0"/>
-              <a:t>セメスタ説明会 </a:t>
+              <a:rPr kumimoji="1" lang="ja-JP" altLang="en-US"/>
+              <a:t>セメスタ 説明会 </a:t>
             </a:r>
             <a:r>
-              <a:rPr kumimoji="1" lang="en-US" altLang="ja-JP" dirty="0"/>
-              <a:t>utelecon.github.io</a:t>
+              <a:rPr kumimoji="1" lang="en-US" altLang="ja-JP"/>
+              <a:t>https://utelecon.adm.u-tokyo.ac.jp/</a:t>
             </a:r>
             <a:endParaRPr kumimoji="1" lang="ja-JP" altLang="en-US" dirty="0"/>
           </a:p>
@@ -52487,7 +52487,7 @@
           <a:p>
             <a:r>
               <a:rPr kumimoji="1" lang="en-US" altLang="ja-JP"/>
-              <a:t>2020/9/11</a:t>
+              <a:t>2021/3/17</a:t>
             </a:r>
             <a:endParaRPr kumimoji="1" lang="ja-JP" altLang="en-US"/>
           </a:p>
@@ -52516,15 +52516,15 @@
           <a:p>
             <a:r>
               <a:rPr kumimoji="1" lang="en-US" altLang="ja-JP"/>
-              <a:t>A</a:t>
+              <a:t>2021S</a:t>
             </a:r>
             <a:r>
               <a:rPr kumimoji="1" lang="ja-JP" altLang="en-US"/>
-              <a:t>セメスタ説明会 </a:t>
+              <a:t>セメスタ 説明会 </a:t>
             </a:r>
             <a:r>
               <a:rPr kumimoji="1" lang="en-US" altLang="ja-JP"/>
-              <a:t>utelecon.github.io</a:t>
+              <a:t>https://utelecon.adm.u-tokyo.ac.jp/</a:t>
             </a:r>
             <a:endParaRPr kumimoji="1" lang="ja-JP" altLang="en-US" dirty="0"/>
           </a:p>
@@ -52560,42 +52560,6 @@
           </a:p>
         </p:txBody>
       </p:sp>
-      <p:pic>
-        <p:nvPicPr>
-          <p:cNvPr id="8" name="Picture 7" descr="A close up of text on a white surface&#10;&#10;Description automatically generated">
-            <a:extLst>
-              <a:ext uri="{FF2B5EF4-FFF2-40B4-BE49-F238E27FC236}">
-                <a16:creationId xmlns:a16="http://schemas.microsoft.com/office/drawing/2014/main" id="{2AA54749-F52A-415D-98C0-2A38333407BD}"/>
-              </a:ext>
-            </a:extLst>
-          </p:cNvPr>
-          <p:cNvPicPr>
-            <a:picLocks noChangeAspect="1"/>
-          </p:cNvPicPr>
-          <p:nvPr/>
-        </p:nvPicPr>
-        <p:blipFill>
-          <a:blip r:embed="rId2">
-            <a:extLst>
-              <a:ext uri="{28A0092B-C50C-407E-A947-70E740481C1C}">
-                <a14:useLocalDpi xmlns:a14="http://schemas.microsoft.com/office/drawing/2010/main" val="0"/>
-              </a:ext>
-            </a:extLst>
-          </a:blip>
-          <a:stretch>
-            <a:fillRect/>
-          </a:stretch>
-        </p:blipFill>
-        <p:spPr>
-          <a:xfrm>
-            <a:off x="6574444" y="4013493"/>
-            <a:ext cx="2342857" cy="2342857"/>
-          </a:xfrm>
-          <a:prstGeom prst="rect">
-            <a:avLst/>
-          </a:prstGeom>
-        </p:spPr>
-      </p:pic>
     </p:spTree>
   </p:cSld>
   <p:clrMapOvr>
@@ -52754,7 +52718,7 @@
           <a:p>
             <a:r>
               <a:rPr kumimoji="1" lang="en-US" altLang="ja-JP"/>
-              <a:t>2020/9/11</a:t>
+              <a:t>2021/3/17</a:t>
             </a:r>
             <a:endParaRPr kumimoji="1" lang="ja-JP" altLang="en-US"/>
           </a:p>
@@ -52783,15 +52747,15 @@
           <a:p>
             <a:r>
               <a:rPr kumimoji="1" lang="en-US" altLang="ja-JP"/>
-              <a:t>A</a:t>
+              <a:t>2021S</a:t>
             </a:r>
             <a:r>
               <a:rPr kumimoji="1" lang="ja-JP" altLang="en-US"/>
-              <a:t>セメスタ説明会 </a:t>
+              <a:t>セメスタ 説明会 </a:t>
             </a:r>
             <a:r>
               <a:rPr kumimoji="1" lang="en-US" altLang="ja-JP"/>
-              <a:t>utelecon.github.io</a:t>
+              <a:t>https://utelecon.adm.u-tokyo.ac.jp/</a:t>
             </a:r>
             <a:endParaRPr kumimoji="1" lang="ja-JP" altLang="en-US"/>
           </a:p>
@@ -52909,7 +52873,7 @@
         <p:spPr/>
         <p:txBody>
           <a:bodyPr>
-            <a:normAutofit fontScale="70000" lnSpcReduction="20000"/>
+            <a:normAutofit fontScale="62500" lnSpcReduction="20000"/>
           </a:bodyPr>
           <a:lstStyle/>
           <a:p>
@@ -53075,6 +53039,14 @@
             </a:r>
             <a:endParaRPr kumimoji="1" lang="en-US" altLang="ja-JP" dirty="0"/>
           </a:p>
+          <a:p>
+            <a:pPr lvl="1"/>
+            <a:r>
+              <a:rPr lang="en-US" altLang="ja-JP"/>
+              <a:t>… </a:t>
+            </a:r>
+            <a:endParaRPr kumimoji="1" lang="en-US" altLang="ja-JP" dirty="0"/>
+          </a:p>
         </p:txBody>
       </p:sp>
       <p:sp>
@@ -53100,7 +53072,7 @@
           <a:p>
             <a:r>
               <a:rPr kumimoji="1" lang="en-US" altLang="ja-JP"/>
-              <a:t>2020/9/11</a:t>
+              <a:t>2021/3/17</a:t>
             </a:r>
             <a:endParaRPr kumimoji="1" lang="ja-JP" altLang="en-US"/>
           </a:p>
@@ -53129,15 +53101,15 @@
           <a:p>
             <a:r>
               <a:rPr kumimoji="1" lang="en-US" altLang="ja-JP"/>
-              <a:t>A</a:t>
+              <a:t>2021S</a:t>
             </a:r>
             <a:r>
               <a:rPr kumimoji="1" lang="ja-JP" altLang="en-US"/>
-              <a:t>セメスタ説明会 </a:t>
+              <a:t>セメスタ 説明会 </a:t>
             </a:r>
             <a:r>
               <a:rPr kumimoji="1" lang="en-US" altLang="ja-JP"/>
-              <a:t>utelecon.github.io</a:t>
+              <a:t>https://utelecon.adm.u-tokyo.ac.jp/</a:t>
             </a:r>
             <a:endParaRPr kumimoji="1" lang="ja-JP" altLang="en-US"/>
           </a:p>
@@ -53362,7 +53334,7 @@
           <a:p>
             <a:r>
               <a:rPr kumimoji="1" lang="en-US" altLang="ja-JP"/>
-              <a:t>2020/9/11</a:t>
+              <a:t>2021/3/17</a:t>
             </a:r>
             <a:endParaRPr kumimoji="1" lang="ja-JP" altLang="en-US"/>
           </a:p>
@@ -53391,15 +53363,15 @@
           <a:p>
             <a:r>
               <a:rPr kumimoji="1" lang="en-US" altLang="ja-JP"/>
-              <a:t>A</a:t>
+              <a:t>2021S</a:t>
             </a:r>
             <a:r>
               <a:rPr kumimoji="1" lang="ja-JP" altLang="en-US"/>
-              <a:t>セメスタ説明会 </a:t>
+              <a:t>セメスタ 説明会 </a:t>
             </a:r>
             <a:r>
               <a:rPr kumimoji="1" lang="en-US" altLang="ja-JP"/>
-              <a:t>utelecon.github.io</a:t>
+              <a:t>https://utelecon.adm.u-tokyo.ac.jp/</a:t>
             </a:r>
             <a:endParaRPr kumimoji="1" lang="ja-JP" altLang="en-US"/>
           </a:p>
@@ -53766,7 +53738,7 @@
           <a:p>
             <a:r>
               <a:rPr kumimoji="1" lang="en-US" altLang="ja-JP"/>
-              <a:t>2020/9/11</a:t>
+              <a:t>2021/3/17</a:t>
             </a:r>
             <a:endParaRPr kumimoji="1" lang="ja-JP" altLang="en-US"/>
           </a:p>
@@ -53789,15 +53761,15 @@
           <a:p>
             <a:r>
               <a:rPr kumimoji="1" lang="en-US" altLang="ja-JP"/>
-              <a:t>A</a:t>
+              <a:t>2021S</a:t>
             </a:r>
             <a:r>
               <a:rPr kumimoji="1" lang="ja-JP" altLang="en-US"/>
-              <a:t>セメスタ説明会 </a:t>
+              <a:t>セメスタ 説明会 </a:t>
             </a:r>
             <a:r>
               <a:rPr kumimoji="1" lang="en-US" altLang="ja-JP"/>
-              <a:t>utelecon.github.io</a:t>
+              <a:t>https://utelecon.adm.u-tokyo.ac.jp/</a:t>
             </a:r>
             <a:endParaRPr kumimoji="1" lang="ja-JP" altLang="en-US"/>
           </a:p>

--- a/events/2021-03-17/slides/00-index.pptx
+++ b/events/2021-03-17/slides/00-index.pptx
@@ -53515,15 +53515,15 @@
               <a:t>田浦</a:t>
             </a:r>
             <a:r>
-              <a:rPr kumimoji="1" lang="en-US" altLang="ja-JP" sz="2000" dirty="0"/>
+              <a:rPr kumimoji="1" lang="en-US" altLang="ja-JP" sz="2000"/>
               <a:t>; </a:t>
             </a:r>
             <a:r>
-              <a:rPr lang="en-US" altLang="ja-JP" sz="2000" dirty="0"/>
-              <a:t>20</a:t>
+              <a:rPr lang="en-US" altLang="ja-JP" sz="2000"/>
+              <a:t>25</a:t>
             </a:r>
             <a:r>
-              <a:rPr kumimoji="1" lang="ja-JP" altLang="en-US" sz="2000" dirty="0"/>
+              <a:rPr kumimoji="1" lang="ja-JP" altLang="en-US" sz="2000"/>
               <a:t>分</a:t>
             </a:r>
             <a:r>
@@ -53559,11 +53559,7 @@
             </a:r>
             <a:r>
               <a:rPr kumimoji="1" lang="en-US" altLang="ja-JP" sz="2000" dirty="0"/>
-              <a:t>; </a:t>
-            </a:r>
-            <a:r>
-              <a:rPr lang="en-US" altLang="ja-JP" sz="2000" dirty="0"/>
-              <a:t>20</a:t>
+              <a:t>; 15</a:t>
             </a:r>
             <a:r>
               <a:rPr kumimoji="1" lang="ja-JP" altLang="en-US" sz="2000" dirty="0"/>

--- a/events/2021-03-17/slides/00-index.pptx
+++ b/events/2021-03-17/slides/00-index.pptx
@@ -53515,15 +53515,15 @@
               <a:t>田浦</a:t>
             </a:r>
             <a:r>
-              <a:rPr kumimoji="1" lang="en-US" altLang="ja-JP" sz="2000"/>
+              <a:rPr kumimoji="1" lang="en-US" altLang="ja-JP" sz="2000" dirty="0"/>
               <a:t>; </a:t>
             </a:r>
             <a:r>
-              <a:rPr lang="en-US" altLang="ja-JP" sz="2000"/>
+              <a:rPr lang="en-US" altLang="ja-JP" sz="2000" dirty="0"/>
               <a:t>25</a:t>
             </a:r>
             <a:r>
-              <a:rPr kumimoji="1" lang="ja-JP" altLang="en-US" sz="2000"/>
+              <a:rPr kumimoji="1" lang="ja-JP" altLang="en-US" sz="2000" dirty="0"/>
               <a:t>分</a:t>
             </a:r>
             <a:r>
@@ -53792,6 +53792,96 @@
               <a:t>5</a:t>
             </a:fld>
             <a:endParaRPr kumimoji="1" lang="ja-JP" altLang="en-US"/>
+          </a:p>
+        </p:txBody>
+      </p:sp>
+      <p:sp>
+        <p:nvSpPr>
+          <p:cNvPr id="7" name="正方形/長方形 6">
+            <a:extLst>
+              <a:ext uri="{FF2B5EF4-FFF2-40B4-BE49-F238E27FC236}">
+                <a16:creationId xmlns:a16="http://schemas.microsoft.com/office/drawing/2014/main" id="{E35EBA2B-7AAB-446B-B4AC-9F9982BDAD37}"/>
+              </a:ext>
+            </a:extLst>
+          </p:cNvPr>
+          <p:cNvSpPr/>
+          <p:nvPr/>
+        </p:nvSpPr>
+        <p:spPr>
+          <a:xfrm>
+            <a:off x="1331640" y="5157192"/>
+            <a:ext cx="6480720" cy="868945"/>
+          </a:xfrm>
+          <a:prstGeom prst="rect">
+            <a:avLst/>
+          </a:prstGeom>
+        </p:spPr>
+        <p:style>
+          <a:lnRef idx="2">
+            <a:schemeClr val="accent1">
+              <a:shade val="50000"/>
+            </a:schemeClr>
+          </a:lnRef>
+          <a:fillRef idx="1">
+            <a:schemeClr val="accent1"/>
+          </a:fillRef>
+          <a:effectRef idx="0">
+            <a:schemeClr val="accent1"/>
+          </a:effectRef>
+          <a:fontRef idx="minor">
+            <a:schemeClr val="lt1"/>
+          </a:fontRef>
+        </p:style>
+        <p:txBody>
+          <a:bodyPr rtlCol="0" anchor="ctr"/>
+          <a:lstStyle/>
+          <a:p>
+            <a:pPr algn="ctr"/>
+            <a:r>
+              <a:rPr kumimoji="1" lang="ja-JP" altLang="en-US" dirty="0">
+                <a:solidFill>
+                  <a:schemeClr val="tx1"/>
+                </a:solidFill>
+              </a:rPr>
+              <a:t>質問はいつでもウェビナーの</a:t>
+            </a:r>
+            <a:r>
+              <a:rPr kumimoji="1" lang="en-US" altLang="ja-JP" dirty="0">
+                <a:solidFill>
+                  <a:schemeClr val="tx1"/>
+                </a:solidFill>
+              </a:rPr>
+              <a:t>Q&amp;A</a:t>
+            </a:r>
+            <a:r>
+              <a:rPr kumimoji="1" lang="ja-JP" altLang="en-US" dirty="0">
+                <a:solidFill>
+                  <a:schemeClr val="tx1"/>
+                </a:solidFill>
+              </a:rPr>
+              <a:t>へ</a:t>
+            </a:r>
+            <a:endParaRPr kumimoji="1" lang="en-US" altLang="ja-JP" dirty="0">
+              <a:solidFill>
+                <a:schemeClr val="tx1"/>
+              </a:solidFill>
+            </a:endParaRPr>
+          </a:p>
+          <a:p>
+            <a:pPr algn="ctr"/>
+            <a:r>
+              <a:rPr lang="ja-JP" altLang="en-US" dirty="0">
+                <a:solidFill>
+                  <a:schemeClr val="tx1"/>
+                </a:solidFill>
+              </a:rPr>
+              <a:t>終わった後もなくなるまで受け付けます</a:t>
+            </a:r>
+            <a:endParaRPr kumimoji="1" lang="ja-JP" altLang="en-US" dirty="0">
+              <a:solidFill>
+                <a:schemeClr val="tx1"/>
+              </a:solidFill>
+            </a:endParaRPr>
           </a:p>
         </p:txBody>
       </p:sp>
